--- a/Class11/Class11_ajax.pptx
+++ b/Class11/Class11_ajax.pptx
@@ -367,7 +367,7 @@
           <a:p>
             <a:fld id="{15DC1560-1C4B-A84B-8438-023CE93353BD}" type="datetime1">
               <a:rPr lang="en-US" smtClean="0"/>
-              <a:t>10/2/17</a:t>
+              <a:t>10/3/17</a:t>
             </a:fld>
             <a:endParaRPr lang="en-US"/>
           </a:p>
@@ -688,7 +688,7 @@
           <a:p>
             <a:fld id="{78731AFF-CB88-0645-A1BD-13D6E094C60E}" type="datetime1">
               <a:rPr lang="en-US" smtClean="0"/>
-              <a:t>10/2/17</a:t>
+              <a:t>10/3/17</a:t>
             </a:fld>
             <a:endParaRPr lang="en-US"/>
           </a:p>
@@ -965,7 +965,7 @@
           <a:p>
             <a:fld id="{00AC1831-7B03-7D4E-B245-B6A3042D72EF}" type="datetime1">
               <a:rPr lang="en-US" smtClean="0"/>
-              <a:t>10/2/17</a:t>
+              <a:t>10/3/17</a:t>
             </a:fld>
             <a:endParaRPr lang="en-US"/>
           </a:p>
@@ -1259,7 +1259,7 @@
           <a:p>
             <a:fld id="{2CBC44ED-2A38-B849-B20A-03589038634A}" type="datetime1">
               <a:rPr lang="en-US" smtClean="0"/>
-              <a:t>10/2/17</a:t>
+              <a:t>10/3/17</a:t>
             </a:fld>
             <a:endParaRPr lang="en-US"/>
           </a:p>
@@ -1588,7 +1588,7 @@
           <a:p>
             <a:fld id="{E2BC6FBD-90E5-9241-A558-17FDDD6F8430}" type="datetime1">
               <a:rPr lang="en-US" smtClean="0"/>
-              <a:t>10/2/17</a:t>
+              <a:t>10/3/17</a:t>
             </a:fld>
             <a:endParaRPr lang="en-US"/>
           </a:p>
@@ -1839,7 +1839,7 @@
           <a:p>
             <a:fld id="{480FB00C-9B6A-224B-AF27-B771DFA2C61E}" type="datetime1">
               <a:rPr lang="en-US" smtClean="0"/>
-              <a:t>10/2/17</a:t>
+              <a:t>10/3/17</a:t>
             </a:fld>
             <a:endParaRPr lang="en-US"/>
           </a:p>
@@ -2018,7 +2018,7 @@
           <a:p>
             <a:fld id="{7D883D95-23E6-8642-B23D-86CE1A679C24}" type="datetime1">
               <a:rPr lang="en-US" smtClean="0"/>
-              <a:t>10/2/17</a:t>
+              <a:t>10/3/17</a:t>
             </a:fld>
             <a:endParaRPr lang="en-US"/>
           </a:p>
@@ -2187,7 +2187,7 @@
           <a:p>
             <a:fld id="{422768F3-65EF-134B-ABA5-2E67B9B89714}" type="datetime1">
               <a:rPr lang="en-US" smtClean="0"/>
-              <a:t>10/2/17</a:t>
+              <a:t>10/3/17</a:t>
             </a:fld>
             <a:endParaRPr lang="en-US"/>
           </a:p>
@@ -2456,7 +2456,7 @@
           <a:p>
             <a:fld id="{1C2BA116-9669-9A45-84C3-501B5CFB5378}" type="datetime1">
               <a:rPr lang="en-US" smtClean="0"/>
-              <a:t>10/2/17</a:t>
+              <a:t>10/3/17</a:t>
             </a:fld>
             <a:endParaRPr lang="en-US"/>
           </a:p>
@@ -2763,7 +2763,7 @@
           <a:p>
             <a:fld id="{B660045B-BCB3-4B4E-93CB-4DE177670E18}" type="datetime1">
               <a:rPr lang="en-US" smtClean="0"/>
-              <a:t>10/2/17</a:t>
+              <a:t>10/3/17</a:t>
             </a:fld>
             <a:endParaRPr lang="en-US"/>
           </a:p>
@@ -3055,7 +3055,7 @@
           <a:p>
             <a:fld id="{FBD19DE2-E443-DF4E-BB9B-56FF0D017DCD}" type="datetime1">
               <a:rPr lang="en-US" smtClean="0"/>
-              <a:t>10/2/17</a:t>
+              <a:t>10/3/17</a:t>
             </a:fld>
             <a:endParaRPr lang="en-US"/>
           </a:p>
@@ -3485,7 +3485,7 @@
           <a:p>
             <a:fld id="{D1339E91-2CEC-3A46-ACCC-F18D3FA00A8B}" type="datetime1">
               <a:rPr lang="en-US" smtClean="0"/>
-              <a:t>10/2/17</a:t>
+              <a:t>10/3/17</a:t>
             </a:fld>
             <a:endParaRPr lang="en-US"/>
           </a:p>
@@ -3831,7 +3831,7 @@
           <a:p>
             <a:fld id="{4ADAF4DF-36D9-D945-8115-6FCC83E6E519}" type="datetime1">
               <a:rPr lang="en-US" smtClean="0"/>
-              <a:t>10/2/17</a:t>
+              <a:t>10/3/17</a:t>
             </a:fld>
             <a:endParaRPr lang="en-US"/>
           </a:p>
@@ -3921,7 +3921,7 @@
           <a:p>
             <a:fld id="{7740F1E0-615A-FF4D-97A1-2D8D2F3EEE73}" type="datetime1">
               <a:rPr lang="en-US" smtClean="0"/>
-              <a:t>10/2/17</a:t>
+              <a:t>10/3/17</a:t>
             </a:fld>
             <a:endParaRPr lang="en-US"/>
           </a:p>
@@ -4258,7 +4258,7 @@
           <a:p>
             <a:fld id="{D129EFF1-F4F8-2C48-A09F-214A75ADDD65}" type="datetime1">
               <a:rPr lang="en-US" smtClean="0"/>
-              <a:t>10/2/17</a:t>
+              <a:t>10/3/17</a:t>
             </a:fld>
             <a:endParaRPr lang="en-US"/>
           </a:p>
@@ -4474,7 +4474,7 @@
           <a:p>
             <a:fld id="{582B7CA2-33B1-CE46-B78A-03C0DED70615}" type="datetime1">
               <a:rPr lang="en-US" smtClean="0"/>
-              <a:t>10/2/17</a:t>
+              <a:t>10/3/17</a:t>
             </a:fld>
             <a:endParaRPr lang="en-US"/>
           </a:p>
@@ -5530,11 +5530,7 @@
           <a:p>
             <a:r>
               <a:rPr lang="en-US" dirty="0" smtClean="0"/>
-              <a:t>Command </a:t>
-            </a:r>
-            <a:r>
-              <a:rPr lang="en-US" dirty="0" smtClean="0"/>
-              <a:t>line:</a:t>
+              <a:t>Command line:</a:t>
             </a:r>
           </a:p>
           <a:p>
@@ -7086,15 +7082,19 @@
             </a:r>
             <a:r>
               <a:rPr lang="en-US" dirty="0" err="1" smtClean="0"/>
-              <a:t>ncaa_start.html</a:t>
-            </a:r>
-            <a:r>
-              <a:rPr lang="en-US" dirty="0" smtClean="0"/>
-              <a:t> and save as </a:t>
+              <a:t>assignment_start.html</a:t>
+            </a:r>
+            <a:r>
+              <a:rPr lang="en-US" dirty="0" smtClean="0"/>
+              <a:t> </a:t>
+            </a:r>
+            <a:r>
+              <a:rPr lang="en-US" dirty="0" smtClean="0"/>
+              <a:t>and save as </a:t>
             </a:r>
             <a:r>
               <a:rPr lang="en-US" dirty="0" err="1" smtClean="0"/>
-              <a:t>ncaa.html</a:t>
+              <a:t>tarheels.html</a:t>
             </a:r>
             <a:endParaRPr lang="en-US" dirty="0" smtClean="0"/>
           </a:p>
@@ -7104,8 +7104,8 @@
               <a:t>Create a dynamic page off of the </a:t>
             </a:r>
             <a:r>
-              <a:rPr lang="en-US" dirty="0" err="1" smtClean="0"/>
-              <a:t>ncaa.xml</a:t>
+              <a:rPr lang="en-US" smtClean="0"/>
+              <a:t>tarheel-data.xml</a:t>
             </a:r>
             <a:endParaRPr lang="en-US" dirty="0"/>
           </a:p>
@@ -7143,7 +7143,7 @@
       </p:grpSpPr>
       <p:pic>
         <p:nvPicPr>
-          <p:cNvPr id="4" name="Picture 3" descr="Screen Shot 2013-02-24 at 11.52.45 PM.png"/>
+          <p:cNvPr id="2" name="Picture 1"/>
           <p:cNvPicPr>
             <a:picLocks noChangeAspect="1"/>
           </p:cNvPicPr>
@@ -7163,8 +7163,8 @@
         </p:blipFill>
         <p:spPr>
           <a:xfrm>
-            <a:off x="0" y="0"/>
-            <a:ext cx="7975549" cy="6858000"/>
+            <a:off x="0" y="815369"/>
+            <a:ext cx="9144000" cy="4765443"/>
           </a:xfrm>
           <a:prstGeom prst="rect">
             <a:avLst/>
